--- a/Classes/08/Slide.pptx
+++ b/Classes/08/Slide.pptx
@@ -3167,13 +3167,6 @@
               </a:rPr>
               <a:t>Dart Object-Oriented Concepts</a:t>
             </a:r>
-            <a:endParaRPr lang="en-US" b="1" dirty="0">
-              <a:solidFill>
-                <a:srgbClr val="0070C0"/>
-              </a:solidFill>
-              <a:latin typeface="Roboto" panose="02000000000000000000" pitchFamily="2" charset="0"/>
-              <a:ea typeface="Roboto" panose="02000000000000000000" pitchFamily="2" charset="0"/>
-            </a:endParaRPr>
           </a:p>
         </p:txBody>
       </p:sp>
